--- a/figures/figure-overview.pptx
+++ b/figures/figure-overview.pptx
@@ -5,10 +5,11 @@
     <p:sldMasterId id="2147483852" r:id="rId1"/>
   </p:sldMasterIdLst>
   <p:notesMasterIdLst>
-    <p:notesMasterId r:id="rId3"/>
+    <p:notesMasterId r:id="rId4"/>
   </p:notesMasterIdLst>
   <p:sldIdLst>
     <p:sldId id="259" r:id="rId2"/>
+    <p:sldId id="260" r:id="rId3"/>
   </p:sldIdLst>
   <p:sldSz cx="6264275" cy="3749675"/>
   <p:notesSz cx="6858000" cy="9144000"/>
@@ -1135,6 +1136,90 @@
     <p:extLst>
       <p:ext uri="{BB962C8B-B14F-4D97-AF65-F5344CB8AC3E}">
         <p14:creationId xmlns:p14="http://schemas.microsoft.com/office/powerpoint/2010/main" val="889629281"/>
+      </p:ext>
+    </p:extLst>
+  </p:cSld>
+  <p:clrMapOvr>
+    <a:masterClrMapping/>
+  </p:clrMapOvr>
+</p:notes>
+</file>
+
+<file path=ppt/notesSlides/notesSlide2.xml><?xml version="1.0" encoding="utf-8"?>
+<p:notes xmlns:a="http://schemas.openxmlformats.org/drawingml/2006/main" xmlns:r="http://schemas.openxmlformats.org/officeDocument/2006/relationships" xmlns:p="http://schemas.openxmlformats.org/presentationml/2006/main">
+  <p:cSld>
+    <p:spTree>
+      <p:nvGrpSpPr>
+        <p:cNvPr id="1" name=""/>
+        <p:cNvGrpSpPr/>
+        <p:nvPr/>
+      </p:nvGrpSpPr>
+      <p:grpSpPr>
+        <a:xfrm>
+          <a:off x="0" y="0"/>
+          <a:ext cx="0" cy="0"/>
+          <a:chOff x="0" y="0"/>
+          <a:chExt cx="0" cy="0"/>
+        </a:xfrm>
+      </p:grpSpPr>
+      <p:sp>
+        <p:nvSpPr>
+          <p:cNvPr id="2" name="Slide Image Placeholder 1"/>
+          <p:cNvSpPr>
+            <a:spLocks noGrp="1" noRot="1" noChangeAspect="1"/>
+          </p:cNvSpPr>
+          <p:nvPr>
+            <p:ph type="sldImg"/>
+          </p:nvPr>
+        </p:nvSpPr>
+        <p:spPr/>
+      </p:sp>
+      <p:sp>
+        <p:nvSpPr>
+          <p:cNvPr id="3" name="Notes Placeholder 2"/>
+          <p:cNvSpPr>
+            <a:spLocks noGrp="1"/>
+          </p:cNvSpPr>
+          <p:nvPr>
+            <p:ph type="body" idx="1"/>
+          </p:nvPr>
+        </p:nvSpPr>
+        <p:spPr/>
+        <p:txBody>
+          <a:bodyPr/>
+          <a:lstStyle/>
+          <a:p>
+            <a:endParaRPr lang="en-US" dirty="0"/>
+          </a:p>
+        </p:txBody>
+      </p:sp>
+      <p:sp>
+        <p:nvSpPr>
+          <p:cNvPr id="4" name="Slide Number Placeholder 3"/>
+          <p:cNvSpPr>
+            <a:spLocks noGrp="1"/>
+          </p:cNvSpPr>
+          <p:nvPr>
+            <p:ph type="sldNum" sz="quarter" idx="5"/>
+          </p:nvPr>
+        </p:nvSpPr>
+        <p:spPr/>
+        <p:txBody>
+          <a:bodyPr/>
+          <a:lstStyle/>
+          <a:p>
+            <a:fld id="{BBC75750-5A13-F44A-8A87-8E3528331F8E}" type="slidenum">
+              <a:rPr lang="en-US" smtClean="0"/>
+              <a:t>2</a:t>
+            </a:fld>
+            <a:endParaRPr lang="en-US"/>
+          </a:p>
+        </p:txBody>
+      </p:sp>
+    </p:spTree>
+    <p:extLst>
+      <p:ext uri="{BB962C8B-B14F-4D97-AF65-F5344CB8AC3E}">
+        <p14:creationId xmlns:p14="http://schemas.microsoft.com/office/powerpoint/2010/main" val="220102053"/>
       </p:ext>
     </p:extLst>
   </p:cSld>
@@ -4026,7 +4111,7 @@
           <p:nvPr/>
         </p:nvPicPr>
         <p:blipFill>
-          <a:blip r:embed="rId3"/>
+          <a:blip r:embed="rId4"/>
           <a:stretch>
             <a:fillRect/>
           </a:stretch>
@@ -4291,10 +4376,14 @@
           <p:cNvPicPr>
             <a:picLocks noChangeAspect="1"/>
           </p:cNvPicPr>
-          <p:nvPr/>
+          <p:nvPr>
+            <p:custDataLst>
+              <p:tags r:id="rId1"/>
+            </p:custDataLst>
+          </p:nvPr>
         </p:nvPicPr>
         <p:blipFill>
-          <a:blip r:embed="rId4"/>
+          <a:blip r:embed="rId5"/>
           <a:stretch>
             <a:fillRect/>
           </a:stretch>
@@ -4376,6 +4465,499 @@
     <a:masterClrMapping/>
   </p:clrMapOvr>
 </p:sld>
+</file>
+
+<file path=ppt/slides/slide2.xml><?xml version="1.0" encoding="utf-8"?>
+<p:sld xmlns:a="http://schemas.openxmlformats.org/drawingml/2006/main" xmlns:r="http://schemas.openxmlformats.org/officeDocument/2006/relationships" xmlns:p="http://schemas.openxmlformats.org/presentationml/2006/main">
+  <p:cSld>
+    <p:spTree>
+      <p:nvGrpSpPr>
+        <p:cNvPr id="1" name=""/>
+        <p:cNvGrpSpPr/>
+        <p:nvPr/>
+      </p:nvGrpSpPr>
+      <p:grpSpPr>
+        <a:xfrm>
+          <a:off x="0" y="0"/>
+          <a:ext cx="0" cy="0"/>
+          <a:chOff x="0" y="0"/>
+          <a:chExt cx="0" cy="0"/>
+        </a:xfrm>
+      </p:grpSpPr>
+      <p:pic>
+        <p:nvPicPr>
+          <p:cNvPr id="3" name="Picture 2">
+            <a:extLst>
+              <a:ext uri="{FF2B5EF4-FFF2-40B4-BE49-F238E27FC236}">
+                <a16:creationId xmlns:a16="http://schemas.microsoft.com/office/drawing/2014/main" id="{D6943208-5427-3173-E1A7-C81F2AE4BDBF}"/>
+              </a:ext>
+            </a:extLst>
+          </p:cNvPr>
+          <p:cNvPicPr>
+            <a:picLocks noChangeAspect="1"/>
+          </p:cNvPicPr>
+          <p:nvPr/>
+        </p:nvPicPr>
+        <p:blipFill>
+          <a:blip r:embed="rId5"/>
+          <a:stretch>
+            <a:fillRect/>
+          </a:stretch>
+        </p:blipFill>
+        <p:spPr>
+          <a:xfrm>
+            <a:off x="9519" y="0"/>
+            <a:ext cx="6245236" cy="3749675"/>
+          </a:xfrm>
+          <a:prstGeom prst="rect">
+            <a:avLst/>
+          </a:prstGeom>
+        </p:spPr>
+      </p:pic>
+      <p:sp>
+        <p:nvSpPr>
+          <p:cNvPr id="4" name="TextBox 3">
+            <a:extLst>
+              <a:ext uri="{FF2B5EF4-FFF2-40B4-BE49-F238E27FC236}">
+                <a16:creationId xmlns:a16="http://schemas.microsoft.com/office/drawing/2014/main" id="{0CB5EDA1-9137-C335-061C-DB137BE5DAB1}"/>
+              </a:ext>
+            </a:extLst>
+          </p:cNvPr>
+          <p:cNvSpPr txBox="1"/>
+          <p:nvPr/>
+        </p:nvSpPr>
+        <p:spPr>
+          <a:xfrm>
+            <a:off x="662816" y="766088"/>
+            <a:ext cx="671979" cy="215444"/>
+          </a:xfrm>
+          <a:prstGeom prst="rect">
+            <a:avLst/>
+          </a:prstGeom>
+          <a:noFill/>
+        </p:spPr>
+        <p:txBody>
+          <a:bodyPr wrap="none" rtlCol="0">
+            <a:spAutoFit/>
+          </a:bodyPr>
+          <a:lstStyle/>
+          <a:p>
+            <a:pPr algn="ctr"/>
+            <a:r>
+              <a:rPr lang="en-US" sz="800" b="1" dirty="0">
+                <a:solidFill>
+                  <a:srgbClr val="5FAEFA"/>
+                </a:solidFill>
+                <a:latin typeface="Arial" panose="020B0604020202020204" pitchFamily="34" charset="0"/>
+                <a:cs typeface="Arial" panose="020B0604020202020204" pitchFamily="34" charset="0"/>
+              </a:rPr>
+              <a:t>screening</a:t>
+            </a:r>
+          </a:p>
+        </p:txBody>
+      </p:sp>
+      <p:sp>
+        <p:nvSpPr>
+          <p:cNvPr id="5" name="TextBox 4">
+            <a:extLst>
+              <a:ext uri="{FF2B5EF4-FFF2-40B4-BE49-F238E27FC236}">
+                <a16:creationId xmlns:a16="http://schemas.microsoft.com/office/drawing/2014/main" id="{510D5661-0249-5627-7C16-0CA155ECCD78}"/>
+              </a:ext>
+            </a:extLst>
+          </p:cNvPr>
+          <p:cNvSpPr txBox="1"/>
+          <p:nvPr/>
+        </p:nvSpPr>
+        <p:spPr>
+          <a:xfrm>
+            <a:off x="2300961" y="768807"/>
+            <a:ext cx="522900" cy="215444"/>
+          </a:xfrm>
+          <a:prstGeom prst="rect">
+            <a:avLst/>
+          </a:prstGeom>
+          <a:noFill/>
+        </p:spPr>
+        <p:txBody>
+          <a:bodyPr wrap="none" rtlCol="0">
+            <a:spAutoFit/>
+          </a:bodyPr>
+          <a:lstStyle/>
+          <a:p>
+            <a:pPr algn="ctr"/>
+            <a:r>
+              <a:rPr lang="en-US" sz="800" b="1" dirty="0">
+                <a:solidFill>
+                  <a:srgbClr val="FF8972"/>
+                </a:solidFill>
+                <a:latin typeface="Arial" panose="020B0604020202020204" pitchFamily="34" charset="0"/>
+                <a:cs typeface="Arial" panose="020B0604020202020204" pitchFamily="34" charset="0"/>
+              </a:rPr>
+              <a:t>source</a:t>
+            </a:r>
+          </a:p>
+        </p:txBody>
+      </p:sp>
+      <p:sp>
+        <p:nvSpPr>
+          <p:cNvPr id="6" name="TextBox 5">
+            <a:extLst>
+              <a:ext uri="{FF2B5EF4-FFF2-40B4-BE49-F238E27FC236}">
+                <a16:creationId xmlns:a16="http://schemas.microsoft.com/office/drawing/2014/main" id="{9EA5C03A-6801-8291-1DAF-E12AFA4D1506}"/>
+              </a:ext>
+            </a:extLst>
+          </p:cNvPr>
+          <p:cNvSpPr txBox="1"/>
+          <p:nvPr/>
+        </p:nvSpPr>
+        <p:spPr>
+          <a:xfrm>
+            <a:off x="1218984" y="73521"/>
+            <a:ext cx="699230" cy="338554"/>
+          </a:xfrm>
+          <a:prstGeom prst="rect">
+            <a:avLst/>
+          </a:prstGeom>
+          <a:noFill/>
+        </p:spPr>
+        <p:txBody>
+          <a:bodyPr wrap="none" rtlCol="0">
+            <a:spAutoFit/>
+          </a:bodyPr>
+          <a:lstStyle/>
+          <a:p>
+            <a:pPr algn="ctr"/>
+            <a:r>
+              <a:rPr lang="en-US" altLang="zh-CN" sz="800" b="1" dirty="0">
+                <a:solidFill>
+                  <a:srgbClr val="B46AE2"/>
+                </a:solidFill>
+                <a:latin typeface="Arial" panose="020B0604020202020204" pitchFamily="34" charset="0"/>
+                <a:cs typeface="Arial" panose="020B0604020202020204" pitchFamily="34" charset="0"/>
+              </a:rPr>
+              <a:t>selection</a:t>
+            </a:r>
+            <a:r>
+              <a:rPr lang="zh-CN" altLang="en-US" sz="800" b="1" dirty="0">
+                <a:solidFill>
+                  <a:srgbClr val="B46AE2"/>
+                </a:solidFill>
+                <a:latin typeface="Arial" panose="020B0604020202020204" pitchFamily="34" charset="0"/>
+                <a:cs typeface="Arial" panose="020B0604020202020204" pitchFamily="34" charset="0"/>
+              </a:rPr>
+              <a:t> </a:t>
+            </a:r>
+            <a:endParaRPr lang="en-US" altLang="zh-CN" sz="800" b="1" dirty="0">
+              <a:solidFill>
+                <a:srgbClr val="B46AE2"/>
+              </a:solidFill>
+              <a:latin typeface="Arial" panose="020B0604020202020204" pitchFamily="34" charset="0"/>
+              <a:cs typeface="Arial" panose="020B0604020202020204" pitchFamily="34" charset="0"/>
+            </a:endParaRPr>
+          </a:p>
+          <a:p>
+            <a:pPr algn="ctr"/>
+            <a:r>
+              <a:rPr lang="en-US" altLang="zh-CN" sz="800" b="1" dirty="0">
+                <a:solidFill>
+                  <a:srgbClr val="B46AE2"/>
+                </a:solidFill>
+                <a:latin typeface="Arial" panose="020B0604020202020204" pitchFamily="34" charset="0"/>
+                <a:cs typeface="Arial" panose="020B0604020202020204" pitchFamily="34" charset="0"/>
+              </a:rPr>
+              <a:t>coefficient</a:t>
+            </a:r>
+            <a:endParaRPr lang="en-US" sz="800" b="1" dirty="0">
+              <a:solidFill>
+                <a:srgbClr val="B46AE2"/>
+              </a:solidFill>
+              <a:latin typeface="Arial" panose="020B0604020202020204" pitchFamily="34" charset="0"/>
+              <a:cs typeface="Arial" panose="020B0604020202020204" pitchFamily="34" charset="0"/>
+            </a:endParaRPr>
+          </a:p>
+        </p:txBody>
+      </p:sp>
+      <p:sp>
+        <p:nvSpPr>
+          <p:cNvPr id="7" name="Rounded Rectangle 6">
+            <a:extLst>
+              <a:ext uri="{FF2B5EF4-FFF2-40B4-BE49-F238E27FC236}">
+                <a16:creationId xmlns:a16="http://schemas.microsoft.com/office/drawing/2014/main" id="{9A8BF2DA-C0FA-F7CA-7702-EB150C770325}"/>
+              </a:ext>
+            </a:extLst>
+          </p:cNvPr>
+          <p:cNvSpPr/>
+          <p:nvPr/>
+        </p:nvSpPr>
+        <p:spPr>
+          <a:xfrm>
+            <a:off x="649553" y="388267"/>
+            <a:ext cx="698500" cy="377825"/>
+          </a:xfrm>
+          <a:prstGeom prst="roundRect">
+            <a:avLst/>
+          </a:prstGeom>
+          <a:solidFill>
+            <a:srgbClr val="5FAEFA">
+              <a:alpha val="9804"/>
+            </a:srgbClr>
+          </a:solidFill>
+          <a:ln>
+            <a:solidFill>
+              <a:srgbClr val="5FAEFA"/>
+            </a:solidFill>
+          </a:ln>
+        </p:spPr>
+        <p:style>
+          <a:lnRef idx="2">
+            <a:schemeClr val="accent1">
+              <a:shade val="15000"/>
+            </a:schemeClr>
+          </a:lnRef>
+          <a:fillRef idx="1">
+            <a:schemeClr val="accent1"/>
+          </a:fillRef>
+          <a:effectRef idx="0">
+            <a:schemeClr val="accent1"/>
+          </a:effectRef>
+          <a:fontRef idx="minor">
+            <a:schemeClr val="lt1"/>
+          </a:fontRef>
+        </p:style>
+        <p:txBody>
+          <a:bodyPr rtlCol="0" anchor="ctr"/>
+          <a:lstStyle/>
+          <a:p>
+            <a:pPr algn="ctr"/>
+            <a:endParaRPr lang="en-US"/>
+          </a:p>
+        </p:txBody>
+      </p:sp>
+      <p:sp>
+        <p:nvSpPr>
+          <p:cNvPr id="8" name="Rounded Rectangle 7">
+            <a:extLst>
+              <a:ext uri="{FF2B5EF4-FFF2-40B4-BE49-F238E27FC236}">
+                <a16:creationId xmlns:a16="http://schemas.microsoft.com/office/drawing/2014/main" id="{79EAF88A-1332-7332-EF95-401D58514FA1}"/>
+              </a:ext>
+            </a:extLst>
+          </p:cNvPr>
+          <p:cNvSpPr/>
+          <p:nvPr/>
+        </p:nvSpPr>
+        <p:spPr>
+          <a:xfrm>
+            <a:off x="1482239" y="388266"/>
+            <a:ext cx="172720" cy="377825"/>
+          </a:xfrm>
+          <a:prstGeom prst="roundRect">
+            <a:avLst/>
+          </a:prstGeom>
+          <a:solidFill>
+            <a:srgbClr val="B46AE2">
+              <a:alpha val="9804"/>
+            </a:srgbClr>
+          </a:solidFill>
+          <a:ln>
+            <a:solidFill>
+              <a:srgbClr val="B46AE2"/>
+            </a:solidFill>
+          </a:ln>
+        </p:spPr>
+        <p:style>
+          <a:lnRef idx="2">
+            <a:schemeClr val="accent1">
+              <a:shade val="15000"/>
+            </a:schemeClr>
+          </a:lnRef>
+          <a:fillRef idx="1">
+            <a:schemeClr val="accent1"/>
+          </a:fillRef>
+          <a:effectRef idx="0">
+            <a:schemeClr val="accent1"/>
+          </a:effectRef>
+          <a:fontRef idx="minor">
+            <a:schemeClr val="lt1"/>
+          </a:fontRef>
+        </p:style>
+        <p:txBody>
+          <a:bodyPr rtlCol="0" anchor="ctr"/>
+          <a:lstStyle/>
+          <a:p>
+            <a:pPr algn="ctr"/>
+            <a:endParaRPr lang="en-US"/>
+          </a:p>
+        </p:txBody>
+      </p:sp>
+      <p:pic>
+        <p:nvPicPr>
+          <p:cNvPr id="9" name="Picture 8">
+            <a:extLst>
+              <a:ext uri="{FF2B5EF4-FFF2-40B4-BE49-F238E27FC236}">
+                <a16:creationId xmlns:a16="http://schemas.microsoft.com/office/drawing/2014/main" id="{DA34400C-2D96-3FA6-22BE-846706B09939}"/>
+              </a:ext>
+            </a:extLst>
+          </p:cNvPr>
+          <p:cNvPicPr>
+            <a:picLocks noChangeAspect="1"/>
+          </p:cNvPicPr>
+          <p:nvPr>
+            <p:custDataLst>
+              <p:tags r:id="rId1"/>
+            </p:custDataLst>
+          </p:nvPr>
+        </p:nvPicPr>
+        <p:blipFill>
+          <a:blip r:embed="rId6"/>
+          <a:stretch>
+            <a:fillRect/>
+          </a:stretch>
+        </p:blipFill>
+        <p:spPr>
+          <a:xfrm>
+            <a:off x="205053" y="412075"/>
+            <a:ext cx="2946400" cy="330200"/>
+          </a:xfrm>
+          <a:prstGeom prst="rect">
+            <a:avLst/>
+          </a:prstGeom>
+        </p:spPr>
+      </p:pic>
+      <p:sp>
+        <p:nvSpPr>
+          <p:cNvPr id="10" name="Rounded Rectangle 9">
+            <a:extLst>
+              <a:ext uri="{FF2B5EF4-FFF2-40B4-BE49-F238E27FC236}">
+                <a16:creationId xmlns:a16="http://schemas.microsoft.com/office/drawing/2014/main" id="{AEE42245-6BD7-348D-AA21-86B3C7F2C7C4}"/>
+              </a:ext>
+            </a:extLst>
+          </p:cNvPr>
+          <p:cNvSpPr/>
+          <p:nvPr/>
+        </p:nvSpPr>
+        <p:spPr>
+          <a:xfrm>
+            <a:off x="1941619" y="391442"/>
+            <a:ext cx="1241584" cy="377825"/>
+          </a:xfrm>
+          <a:prstGeom prst="roundRect">
+            <a:avLst/>
+          </a:prstGeom>
+          <a:solidFill>
+            <a:srgbClr val="FF8972">
+              <a:alpha val="9804"/>
+            </a:srgbClr>
+          </a:solidFill>
+          <a:ln>
+            <a:solidFill>
+              <a:srgbClr val="FF8972"/>
+            </a:solidFill>
+          </a:ln>
+        </p:spPr>
+        <p:style>
+          <a:lnRef idx="2">
+            <a:schemeClr val="accent1">
+              <a:shade val="15000"/>
+            </a:schemeClr>
+          </a:lnRef>
+          <a:fillRef idx="1">
+            <a:schemeClr val="accent1"/>
+          </a:fillRef>
+          <a:effectRef idx="0">
+            <a:schemeClr val="accent1"/>
+          </a:effectRef>
+          <a:fontRef idx="minor">
+            <a:schemeClr val="lt1"/>
+          </a:fontRef>
+        </p:style>
+        <p:txBody>
+          <a:bodyPr rtlCol="0" anchor="ctr"/>
+          <a:lstStyle/>
+          <a:p>
+            <a:pPr algn="ctr"/>
+            <a:endParaRPr lang="en-US"/>
+          </a:p>
+        </p:txBody>
+      </p:sp>
+      <p:pic>
+        <p:nvPicPr>
+          <p:cNvPr id="11" name="Picture 10" descr="\documentclass{article}&#10;\usepackage{amsmath}&#10;\usepackage{xcolor}&#10;\pagestyle{empty}&#10;\begin{document}&#10;&#10;&#10;\begin{align*}&#10;\textcolor[HTML]{AA6DDB}{\mathsf{f(t)=1+s(t)}}&#10;\end{align*}&#10;&#10;\end{document}" title="IguanaTex Bitmap Display">
+            <a:extLst>
+              <a:ext uri="{FF2B5EF4-FFF2-40B4-BE49-F238E27FC236}">
+                <a16:creationId xmlns:a16="http://schemas.microsoft.com/office/drawing/2014/main" id="{EE161DAA-D5BD-7B40-C646-B7DC6EF0EF46}"/>
+              </a:ext>
+            </a:extLst>
+          </p:cNvPr>
+          <p:cNvPicPr>
+            <a:picLocks noChangeAspect="1"/>
+          </p:cNvPicPr>
+          <p:nvPr>
+            <p:custDataLst>
+              <p:tags r:id="rId2"/>
+            </p:custDataLst>
+          </p:nvPr>
+        </p:nvPicPr>
+        <p:blipFill>
+          <a:blip r:embed="rId7"/>
+          <a:stretch>
+            <a:fillRect/>
+          </a:stretch>
+        </p:blipFill>
+        <p:spPr>
+          <a:xfrm>
+            <a:off x="1576474" y="1357686"/>
+            <a:ext cx="762000" cy="127000"/>
+          </a:xfrm>
+          <a:prstGeom prst="rect">
+            <a:avLst/>
+          </a:prstGeom>
+        </p:spPr>
+      </p:pic>
+    </p:spTree>
+    <p:extLst>
+      <p:ext uri="{BB962C8B-B14F-4D97-AF65-F5344CB8AC3E}">
+        <p14:creationId xmlns:p14="http://schemas.microsoft.com/office/powerpoint/2010/main" val="1829962908"/>
+      </p:ext>
+    </p:extLst>
+  </p:cSld>
+  <p:clrMapOvr>
+    <a:masterClrMapping/>
+  </p:clrMapOvr>
+</p:sld>
+</file>
+
+<file path=ppt/tags/tag1.xml><?xml version="1.0" encoding="utf-8"?>
+<p:tagLst xmlns:a="http://schemas.openxmlformats.org/drawingml/2006/main" xmlns:r="http://schemas.openxmlformats.org/officeDocument/2006/relationships" xmlns:p="http://schemas.openxmlformats.org/presentationml/2006/main">
+  <p:tag name="IGUANATEXCURSOR" val="727"/>
+  <p:tag name="BITMAPVECTOR" val="0"/>
+</p:tagLst>
+</file>
+
+<file path=ppt/tags/tag2.xml><?xml version="1.0" encoding="utf-8"?>
+<p:tagLst xmlns:a="http://schemas.openxmlformats.org/drawingml/2006/main" xmlns:r="http://schemas.openxmlformats.org/officeDocument/2006/relationships" xmlns:p="http://schemas.openxmlformats.org/presentationml/2006/main">
+  <p:tag name="IGUANATEXCURSOR" val="727"/>
+  <p:tag name="BITMAPVECTOR" val="0"/>
+</p:tagLst>
+</file>
+
+<file path=ppt/tags/tag3.xml><?xml version="1.0" encoding="utf-8"?>
+<p:tagLst xmlns:a="http://schemas.openxmlformats.org/drawingml/2006/main" xmlns:r="http://schemas.openxmlformats.org/officeDocument/2006/relationships" xmlns:p="http://schemas.openxmlformats.org/presentationml/2006/main">
+  <p:tag name="OUTPUTDPI" val="1200"/>
+  <p:tag name="ORIGINALHEIGHT" val="10"/>
+  <p:tag name="ORIGINALWIDTH" val="60"/>
+  <p:tag name="OUTPUTTYPE" val="PDF"/>
+  <p:tag name="IGUANATEXVERSION" val="160"/>
+  <p:tag name="LATEXADDIN" val="\documentclass{article}&#10;\usepackage{amsmath}&#10;\usepackage{xcolor}&#10;\pagestyle{empty}&#10;\begin{document}&#10;&#10;&#10;\begin{align*}&#10;\textcolor[HTML]{AA6DDB}{\mathsf{f(t)=1+s(t)}}&#10;\end{align*}&#10;&#10;\end{document}"/>
+  <p:tag name="IGUANATEXSIZE" val="10"/>
+  <p:tag name="IGUANATEXCURSOR" val="161"/>
+  <p:tag name="TRANSPARENCY" val="True"/>
+  <p:tag name="LATEXENGINEID" val="0"/>
+  <p:tag name="TEMPFOLDER" val="/Users/yiruigao/Library/Containers/com.microsoft.Powerpoint/Data/tmp/TemporaryItems/"/>
+  <p:tag name="LATEXFORMHEIGHT" val="426.65"/>
+  <p:tag name="LATEXFORMWIDTH" val="513.35"/>
+  <p:tag name="LATEXFORMWRAP" val="True"/>
+  <p:tag name="BITMAPVECTOR" val="0"/>
+</p:tagLst>
 </file>
 
 <file path=ppt/theme/theme1.xml><?xml version="1.0" encoding="utf-8"?>

--- a/figures/figure-overview.pptx
+++ b/figures/figure-overview.pptx
@@ -5,11 +5,10 @@
     <p:sldMasterId id="2147483852" r:id="rId1"/>
   </p:sldMasterIdLst>
   <p:notesMasterIdLst>
-    <p:notesMasterId r:id="rId4"/>
+    <p:notesMasterId r:id="rId3"/>
   </p:notesMasterIdLst>
   <p:sldIdLst>
     <p:sldId id="259" r:id="rId2"/>
-    <p:sldId id="260" r:id="rId3"/>
   </p:sldIdLst>
   <p:sldSz cx="6264275" cy="3749675"/>
   <p:notesSz cx="6858000" cy="9144000"/>
@@ -264,7 +263,7 @@
           <a:p>
             <a:fld id="{9C1D3C1F-4F89-954B-B49F-AD3295459A6B}" type="datetimeFigureOut">
               <a:rPr lang="en-US" smtClean="0"/>
-              <a:t>5/7/25</a:t>
+              <a:t>5/8/25</a:t>
             </a:fld>
             <a:endParaRPr lang="en-US"/>
           </a:p>
@@ -1145,90 +1144,6 @@
 </p:notes>
 </file>
 
-<file path=ppt/notesSlides/notesSlide2.xml><?xml version="1.0" encoding="utf-8"?>
-<p:notes xmlns:a="http://schemas.openxmlformats.org/drawingml/2006/main" xmlns:r="http://schemas.openxmlformats.org/officeDocument/2006/relationships" xmlns:p="http://schemas.openxmlformats.org/presentationml/2006/main">
-  <p:cSld>
-    <p:spTree>
-      <p:nvGrpSpPr>
-        <p:cNvPr id="1" name=""/>
-        <p:cNvGrpSpPr/>
-        <p:nvPr/>
-      </p:nvGrpSpPr>
-      <p:grpSpPr>
-        <a:xfrm>
-          <a:off x="0" y="0"/>
-          <a:ext cx="0" cy="0"/>
-          <a:chOff x="0" y="0"/>
-          <a:chExt cx="0" cy="0"/>
-        </a:xfrm>
-      </p:grpSpPr>
-      <p:sp>
-        <p:nvSpPr>
-          <p:cNvPr id="2" name="Slide Image Placeholder 1"/>
-          <p:cNvSpPr>
-            <a:spLocks noGrp="1" noRot="1" noChangeAspect="1"/>
-          </p:cNvSpPr>
-          <p:nvPr>
-            <p:ph type="sldImg"/>
-          </p:nvPr>
-        </p:nvSpPr>
-        <p:spPr/>
-      </p:sp>
-      <p:sp>
-        <p:nvSpPr>
-          <p:cNvPr id="3" name="Notes Placeholder 2"/>
-          <p:cNvSpPr>
-            <a:spLocks noGrp="1"/>
-          </p:cNvSpPr>
-          <p:nvPr>
-            <p:ph type="body" idx="1"/>
-          </p:nvPr>
-        </p:nvSpPr>
-        <p:spPr/>
-        <p:txBody>
-          <a:bodyPr/>
-          <a:lstStyle/>
-          <a:p>
-            <a:endParaRPr lang="en-US" dirty="0"/>
-          </a:p>
-        </p:txBody>
-      </p:sp>
-      <p:sp>
-        <p:nvSpPr>
-          <p:cNvPr id="4" name="Slide Number Placeholder 3"/>
-          <p:cNvSpPr>
-            <a:spLocks noGrp="1"/>
-          </p:cNvSpPr>
-          <p:nvPr>
-            <p:ph type="sldNum" sz="quarter" idx="5"/>
-          </p:nvPr>
-        </p:nvSpPr>
-        <p:spPr/>
-        <p:txBody>
-          <a:bodyPr/>
-          <a:lstStyle/>
-          <a:p>
-            <a:fld id="{BBC75750-5A13-F44A-8A87-8E3528331F8E}" type="slidenum">
-              <a:rPr lang="en-US" smtClean="0"/>
-              <a:t>2</a:t>
-            </a:fld>
-            <a:endParaRPr lang="en-US"/>
-          </a:p>
-        </p:txBody>
-      </p:sp>
-    </p:spTree>
-    <p:extLst>
-      <p:ext uri="{BB962C8B-B14F-4D97-AF65-F5344CB8AC3E}">
-        <p14:creationId xmlns:p14="http://schemas.microsoft.com/office/powerpoint/2010/main" val="220102053"/>
-      </p:ext>
-    </p:extLst>
-  </p:cSld>
-  <p:clrMapOvr>
-    <a:masterClrMapping/>
-  </p:clrMapOvr>
-</p:notes>
-</file>
-
 <file path=ppt/slideLayouts/slideLayout1.xml><?xml version="1.0" encoding="utf-8"?>
 <p:sldLayout xmlns:a="http://schemas.openxmlformats.org/drawingml/2006/main" xmlns:r="http://schemas.openxmlformats.org/officeDocument/2006/relationships" xmlns:p="http://schemas.openxmlformats.org/presentationml/2006/main" type="title" preserve="1">
   <p:cSld name="Title Slide">
@@ -1360,7 +1275,7 @@
           <a:p>
             <a:fld id="{CB3CF827-E184-EA44-906F-7572569D29C6}" type="datetimeFigureOut">
               <a:rPr lang="en-US" smtClean="0"/>
-              <a:t>5/7/25</a:t>
+              <a:t>5/8/25</a:t>
             </a:fld>
             <a:endParaRPr lang="en-US"/>
           </a:p>
@@ -1530,7 +1445,7 @@
           <a:p>
             <a:fld id="{CB3CF827-E184-EA44-906F-7572569D29C6}" type="datetimeFigureOut">
               <a:rPr lang="en-US" smtClean="0"/>
-              <a:t>5/7/25</a:t>
+              <a:t>5/8/25</a:t>
             </a:fld>
             <a:endParaRPr lang="en-US"/>
           </a:p>
@@ -1710,7 +1625,7 @@
           <a:p>
             <a:fld id="{CB3CF827-E184-EA44-906F-7572569D29C6}" type="datetimeFigureOut">
               <a:rPr lang="en-US" smtClean="0"/>
-              <a:t>5/7/25</a:t>
+              <a:t>5/8/25</a:t>
             </a:fld>
             <a:endParaRPr lang="en-US"/>
           </a:p>
@@ -1880,7 +1795,7 @@
           <a:p>
             <a:fld id="{CB3CF827-E184-EA44-906F-7572569D29C6}" type="datetimeFigureOut">
               <a:rPr lang="en-US" smtClean="0"/>
-              <a:t>5/7/25</a:t>
+              <a:t>5/8/25</a:t>
             </a:fld>
             <a:endParaRPr lang="en-US"/>
           </a:p>
@@ -2126,7 +2041,7 @@
           <a:p>
             <a:fld id="{CB3CF827-E184-EA44-906F-7572569D29C6}" type="datetimeFigureOut">
               <a:rPr lang="en-US" smtClean="0"/>
-              <a:t>5/7/25</a:t>
+              <a:t>5/8/25</a:t>
             </a:fld>
             <a:endParaRPr lang="en-US"/>
           </a:p>
@@ -2358,7 +2273,7 @@
           <a:p>
             <a:fld id="{CB3CF827-E184-EA44-906F-7572569D29C6}" type="datetimeFigureOut">
               <a:rPr lang="en-US" smtClean="0"/>
-              <a:t>5/7/25</a:t>
+              <a:t>5/8/25</a:t>
             </a:fld>
             <a:endParaRPr lang="en-US"/>
           </a:p>
@@ -2725,7 +2640,7 @@
           <a:p>
             <a:fld id="{CB3CF827-E184-EA44-906F-7572569D29C6}" type="datetimeFigureOut">
               <a:rPr lang="en-US" smtClean="0"/>
-              <a:t>5/7/25</a:t>
+              <a:t>5/8/25</a:t>
             </a:fld>
             <a:endParaRPr lang="en-US"/>
           </a:p>
@@ -2843,7 +2758,7 @@
           <a:p>
             <a:fld id="{CB3CF827-E184-EA44-906F-7572569D29C6}" type="datetimeFigureOut">
               <a:rPr lang="en-US" smtClean="0"/>
-              <a:t>5/7/25</a:t>
+              <a:t>5/8/25</a:t>
             </a:fld>
             <a:endParaRPr lang="en-US"/>
           </a:p>
@@ -2938,7 +2853,7 @@
           <a:p>
             <a:fld id="{CB3CF827-E184-EA44-906F-7572569D29C6}" type="datetimeFigureOut">
               <a:rPr lang="en-US" smtClean="0"/>
-              <a:t>5/7/25</a:t>
+              <a:t>5/8/25</a:t>
             </a:fld>
             <a:endParaRPr lang="en-US"/>
           </a:p>
@@ -3215,7 +3130,7 @@
           <a:p>
             <a:fld id="{CB3CF827-E184-EA44-906F-7572569D29C6}" type="datetimeFigureOut">
               <a:rPr lang="en-US" smtClean="0"/>
-              <a:t>5/7/25</a:t>
+              <a:t>5/8/25</a:t>
             </a:fld>
             <a:endParaRPr lang="en-US"/>
           </a:p>
@@ -3472,7 +3387,7 @@
           <a:p>
             <a:fld id="{CB3CF827-E184-EA44-906F-7572569D29C6}" type="datetimeFigureOut">
               <a:rPr lang="en-US" smtClean="0"/>
-              <a:t>5/7/25</a:t>
+              <a:t>5/8/25</a:t>
             </a:fld>
             <a:endParaRPr lang="en-US"/>
           </a:p>
@@ -3685,7 +3600,7 @@
           <a:p>
             <a:fld id="{CB3CF827-E184-EA44-906F-7572569D29C6}" type="datetimeFigureOut">
               <a:rPr lang="en-US" smtClean="0"/>
-              <a:t>5/7/25</a:t>
+              <a:t>5/8/25</a:t>
             </a:fld>
             <a:endParaRPr lang="en-US"/>
           </a:p>
@@ -4098,10 +4013,10 @@
       </p:grpSpPr>
       <p:pic>
         <p:nvPicPr>
-          <p:cNvPr id="9" name="Picture 8">
+          <p:cNvPr id="18" name="Picture 17">
             <a:extLst>
               <a:ext uri="{FF2B5EF4-FFF2-40B4-BE49-F238E27FC236}">
-                <a16:creationId xmlns:a16="http://schemas.microsoft.com/office/drawing/2014/main" id="{3ACA488E-0992-45E2-A70A-CDA62840D4B5}"/>
+                <a16:creationId xmlns:a16="http://schemas.microsoft.com/office/drawing/2014/main" id="{BA46D707-BA0A-4FB7-06DE-2CFD4C11FF7D}"/>
               </a:ext>
             </a:extLst>
           </p:cNvPr>
@@ -4118,7 +4033,7 @@
         </p:blipFill>
         <p:spPr>
           <a:xfrm>
-            <a:off x="0" y="17145"/>
+            <a:off x="9519" y="0"/>
             <a:ext cx="6245236" cy="3749675"/>
           </a:xfrm>
           <a:prstGeom prst="rect">
@@ -4140,8 +4055,8 @@
         </p:nvSpPr>
         <p:spPr>
           <a:xfrm>
-            <a:off x="662816" y="766088"/>
-            <a:ext cx="671979" cy="215444"/>
+            <a:off x="609470" y="773433"/>
+            <a:ext cx="683200" cy="215444"/>
           </a:xfrm>
           <a:prstGeom prst="rect">
             <a:avLst/>
@@ -4163,7 +4078,7 @@
                 <a:latin typeface="Arial" panose="020B0604020202020204" pitchFamily="34" charset="0"/>
                 <a:cs typeface="Arial" panose="020B0604020202020204" pitchFamily="34" charset="0"/>
               </a:rPr>
-              <a:t>screening</a:t>
+              <a:t>Screening</a:t>
             </a:r>
           </a:p>
         </p:txBody>
@@ -4182,8 +4097,8 @@
         </p:nvSpPr>
         <p:spPr>
           <a:xfrm>
-            <a:off x="2300961" y="768807"/>
-            <a:ext cx="522900" cy="215444"/>
+            <a:off x="2242008" y="776152"/>
+            <a:ext cx="545341" cy="338554"/>
           </a:xfrm>
           <a:prstGeom prst="rect">
             <a:avLst/>
@@ -4195,6 +4110,19 @@
             <a:spAutoFit/>
           </a:bodyPr>
           <a:lstStyle/>
+          <a:p>
+            <a:pPr algn="ctr"/>
+            <a:r>
+              <a:rPr lang="en-US" sz="800" b="1" dirty="0">
+                <a:solidFill>
+                  <a:srgbClr val="FF8972"/>
+                </a:solidFill>
+                <a:latin typeface="Arial" panose="020B0604020202020204" pitchFamily="34" charset="0"/>
+                <a:cs typeface="Arial" panose="020B0604020202020204" pitchFamily="34" charset="0"/>
+              </a:rPr>
+              <a:t>Fitness</a:t>
+            </a:r>
+          </a:p>
           <a:p>
             <a:pPr algn="ctr"/>
             <a:r>
@@ -4224,8 +4152,8 @@
         </p:nvSpPr>
         <p:spPr>
           <a:xfrm>
-            <a:off x="1310355" y="171231"/>
-            <a:ext cx="516488" cy="215444"/>
+            <a:off x="1248192" y="60233"/>
+            <a:ext cx="545341" cy="338554"/>
           </a:xfrm>
           <a:prstGeom prst="rect">
             <a:avLst/>
@@ -4247,7 +4175,20 @@
                 <a:latin typeface="Arial" panose="020B0604020202020204" pitchFamily="34" charset="0"/>
                 <a:cs typeface="Arial" panose="020B0604020202020204" pitchFamily="34" charset="0"/>
               </a:rPr>
-              <a:t>fitness</a:t>
+              <a:t>Fitness</a:t>
+            </a:r>
+          </a:p>
+          <a:p>
+            <a:pPr algn="ctr"/>
+            <a:r>
+              <a:rPr lang="en-US" sz="800" b="1" dirty="0">
+                <a:solidFill>
+                  <a:srgbClr val="B46AE2"/>
+                </a:solidFill>
+                <a:latin typeface="Arial" panose="020B0604020202020204" pitchFamily="34" charset="0"/>
+                <a:cs typeface="Arial" panose="020B0604020202020204" pitchFamily="34" charset="0"/>
+              </a:rPr>
+              <a:t>effects</a:t>
             </a:r>
           </a:p>
         </p:txBody>
@@ -4266,7 +4207,7 @@
         </p:nvSpPr>
         <p:spPr>
           <a:xfrm>
-            <a:off x="649553" y="388267"/>
+            <a:off x="601817" y="395612"/>
             <a:ext cx="698500" cy="377825"/>
           </a:xfrm>
           <a:prstGeom prst="roundRect">
@@ -4322,7 +4263,7 @@
         </p:nvSpPr>
         <p:spPr>
           <a:xfrm>
-            <a:off x="1482239" y="388266"/>
+            <a:off x="1434503" y="395611"/>
             <a:ext cx="172720" cy="377825"/>
           </a:xfrm>
           <a:prstGeom prst="roundRect">
@@ -4390,7 +4331,7 @@
         </p:blipFill>
         <p:spPr>
           <a:xfrm>
-            <a:off x="205053" y="412075"/>
+            <a:off x="157317" y="419420"/>
             <a:ext cx="2946400" cy="330200"/>
           </a:xfrm>
           <a:prstGeom prst="rect">
@@ -4412,7 +4353,7 @@
         </p:nvSpPr>
         <p:spPr>
           <a:xfrm>
-            <a:off x="1941619" y="391442"/>
+            <a:off x="1893883" y="398787"/>
             <a:ext cx="1241584" cy="377825"/>
           </a:xfrm>
           <a:prstGeom prst="roundRect">
@@ -4467,495 +4408,9 @@
 </p:sld>
 </file>
 
-<file path=ppt/slides/slide2.xml><?xml version="1.0" encoding="utf-8"?>
-<p:sld xmlns:a="http://schemas.openxmlformats.org/drawingml/2006/main" xmlns:r="http://schemas.openxmlformats.org/officeDocument/2006/relationships" xmlns:p="http://schemas.openxmlformats.org/presentationml/2006/main">
-  <p:cSld>
-    <p:spTree>
-      <p:nvGrpSpPr>
-        <p:cNvPr id="1" name=""/>
-        <p:cNvGrpSpPr/>
-        <p:nvPr/>
-      </p:nvGrpSpPr>
-      <p:grpSpPr>
-        <a:xfrm>
-          <a:off x="0" y="0"/>
-          <a:ext cx="0" cy="0"/>
-          <a:chOff x="0" y="0"/>
-          <a:chExt cx="0" cy="0"/>
-        </a:xfrm>
-      </p:grpSpPr>
-      <p:pic>
-        <p:nvPicPr>
-          <p:cNvPr id="3" name="Picture 2">
-            <a:extLst>
-              <a:ext uri="{FF2B5EF4-FFF2-40B4-BE49-F238E27FC236}">
-                <a16:creationId xmlns:a16="http://schemas.microsoft.com/office/drawing/2014/main" id="{D6943208-5427-3173-E1A7-C81F2AE4BDBF}"/>
-              </a:ext>
-            </a:extLst>
-          </p:cNvPr>
-          <p:cNvPicPr>
-            <a:picLocks noChangeAspect="1"/>
-          </p:cNvPicPr>
-          <p:nvPr/>
-        </p:nvPicPr>
-        <p:blipFill>
-          <a:blip r:embed="rId5"/>
-          <a:stretch>
-            <a:fillRect/>
-          </a:stretch>
-        </p:blipFill>
-        <p:spPr>
-          <a:xfrm>
-            <a:off x="9519" y="0"/>
-            <a:ext cx="6245236" cy="3749675"/>
-          </a:xfrm>
-          <a:prstGeom prst="rect">
-            <a:avLst/>
-          </a:prstGeom>
-        </p:spPr>
-      </p:pic>
-      <p:sp>
-        <p:nvSpPr>
-          <p:cNvPr id="4" name="TextBox 3">
-            <a:extLst>
-              <a:ext uri="{FF2B5EF4-FFF2-40B4-BE49-F238E27FC236}">
-                <a16:creationId xmlns:a16="http://schemas.microsoft.com/office/drawing/2014/main" id="{0CB5EDA1-9137-C335-061C-DB137BE5DAB1}"/>
-              </a:ext>
-            </a:extLst>
-          </p:cNvPr>
-          <p:cNvSpPr txBox="1"/>
-          <p:nvPr/>
-        </p:nvSpPr>
-        <p:spPr>
-          <a:xfrm>
-            <a:off x="662816" y="766088"/>
-            <a:ext cx="671979" cy="215444"/>
-          </a:xfrm>
-          <a:prstGeom prst="rect">
-            <a:avLst/>
-          </a:prstGeom>
-          <a:noFill/>
-        </p:spPr>
-        <p:txBody>
-          <a:bodyPr wrap="none" rtlCol="0">
-            <a:spAutoFit/>
-          </a:bodyPr>
-          <a:lstStyle/>
-          <a:p>
-            <a:pPr algn="ctr"/>
-            <a:r>
-              <a:rPr lang="en-US" sz="800" b="1" dirty="0">
-                <a:solidFill>
-                  <a:srgbClr val="5FAEFA"/>
-                </a:solidFill>
-                <a:latin typeface="Arial" panose="020B0604020202020204" pitchFamily="34" charset="0"/>
-                <a:cs typeface="Arial" panose="020B0604020202020204" pitchFamily="34" charset="0"/>
-              </a:rPr>
-              <a:t>screening</a:t>
-            </a:r>
-          </a:p>
-        </p:txBody>
-      </p:sp>
-      <p:sp>
-        <p:nvSpPr>
-          <p:cNvPr id="5" name="TextBox 4">
-            <a:extLst>
-              <a:ext uri="{FF2B5EF4-FFF2-40B4-BE49-F238E27FC236}">
-                <a16:creationId xmlns:a16="http://schemas.microsoft.com/office/drawing/2014/main" id="{510D5661-0249-5627-7C16-0CA155ECCD78}"/>
-              </a:ext>
-            </a:extLst>
-          </p:cNvPr>
-          <p:cNvSpPr txBox="1"/>
-          <p:nvPr/>
-        </p:nvSpPr>
-        <p:spPr>
-          <a:xfrm>
-            <a:off x="2300961" y="768807"/>
-            <a:ext cx="522900" cy="215444"/>
-          </a:xfrm>
-          <a:prstGeom prst="rect">
-            <a:avLst/>
-          </a:prstGeom>
-          <a:noFill/>
-        </p:spPr>
-        <p:txBody>
-          <a:bodyPr wrap="none" rtlCol="0">
-            <a:spAutoFit/>
-          </a:bodyPr>
-          <a:lstStyle/>
-          <a:p>
-            <a:pPr algn="ctr"/>
-            <a:r>
-              <a:rPr lang="en-US" sz="800" b="1" dirty="0">
-                <a:solidFill>
-                  <a:srgbClr val="FF8972"/>
-                </a:solidFill>
-                <a:latin typeface="Arial" panose="020B0604020202020204" pitchFamily="34" charset="0"/>
-                <a:cs typeface="Arial" panose="020B0604020202020204" pitchFamily="34" charset="0"/>
-              </a:rPr>
-              <a:t>source</a:t>
-            </a:r>
-          </a:p>
-        </p:txBody>
-      </p:sp>
-      <p:sp>
-        <p:nvSpPr>
-          <p:cNvPr id="6" name="TextBox 5">
-            <a:extLst>
-              <a:ext uri="{FF2B5EF4-FFF2-40B4-BE49-F238E27FC236}">
-                <a16:creationId xmlns:a16="http://schemas.microsoft.com/office/drawing/2014/main" id="{9EA5C03A-6801-8291-1DAF-E12AFA4D1506}"/>
-              </a:ext>
-            </a:extLst>
-          </p:cNvPr>
-          <p:cNvSpPr txBox="1"/>
-          <p:nvPr/>
-        </p:nvSpPr>
-        <p:spPr>
-          <a:xfrm>
-            <a:off x="1218984" y="73521"/>
-            <a:ext cx="699230" cy="338554"/>
-          </a:xfrm>
-          <a:prstGeom prst="rect">
-            <a:avLst/>
-          </a:prstGeom>
-          <a:noFill/>
-        </p:spPr>
-        <p:txBody>
-          <a:bodyPr wrap="none" rtlCol="0">
-            <a:spAutoFit/>
-          </a:bodyPr>
-          <a:lstStyle/>
-          <a:p>
-            <a:pPr algn="ctr"/>
-            <a:r>
-              <a:rPr lang="en-US" altLang="zh-CN" sz="800" b="1" dirty="0">
-                <a:solidFill>
-                  <a:srgbClr val="B46AE2"/>
-                </a:solidFill>
-                <a:latin typeface="Arial" panose="020B0604020202020204" pitchFamily="34" charset="0"/>
-                <a:cs typeface="Arial" panose="020B0604020202020204" pitchFamily="34" charset="0"/>
-              </a:rPr>
-              <a:t>selection</a:t>
-            </a:r>
-            <a:r>
-              <a:rPr lang="zh-CN" altLang="en-US" sz="800" b="1" dirty="0">
-                <a:solidFill>
-                  <a:srgbClr val="B46AE2"/>
-                </a:solidFill>
-                <a:latin typeface="Arial" panose="020B0604020202020204" pitchFamily="34" charset="0"/>
-                <a:cs typeface="Arial" panose="020B0604020202020204" pitchFamily="34" charset="0"/>
-              </a:rPr>
-              <a:t> </a:t>
-            </a:r>
-            <a:endParaRPr lang="en-US" altLang="zh-CN" sz="800" b="1" dirty="0">
-              <a:solidFill>
-                <a:srgbClr val="B46AE2"/>
-              </a:solidFill>
-              <a:latin typeface="Arial" panose="020B0604020202020204" pitchFamily="34" charset="0"/>
-              <a:cs typeface="Arial" panose="020B0604020202020204" pitchFamily="34" charset="0"/>
-            </a:endParaRPr>
-          </a:p>
-          <a:p>
-            <a:pPr algn="ctr"/>
-            <a:r>
-              <a:rPr lang="en-US" altLang="zh-CN" sz="800" b="1" dirty="0">
-                <a:solidFill>
-                  <a:srgbClr val="B46AE2"/>
-                </a:solidFill>
-                <a:latin typeface="Arial" panose="020B0604020202020204" pitchFamily="34" charset="0"/>
-                <a:cs typeface="Arial" panose="020B0604020202020204" pitchFamily="34" charset="0"/>
-              </a:rPr>
-              <a:t>coefficient</a:t>
-            </a:r>
-            <a:endParaRPr lang="en-US" sz="800" b="1" dirty="0">
-              <a:solidFill>
-                <a:srgbClr val="B46AE2"/>
-              </a:solidFill>
-              <a:latin typeface="Arial" panose="020B0604020202020204" pitchFamily="34" charset="0"/>
-              <a:cs typeface="Arial" panose="020B0604020202020204" pitchFamily="34" charset="0"/>
-            </a:endParaRPr>
-          </a:p>
-        </p:txBody>
-      </p:sp>
-      <p:sp>
-        <p:nvSpPr>
-          <p:cNvPr id="7" name="Rounded Rectangle 6">
-            <a:extLst>
-              <a:ext uri="{FF2B5EF4-FFF2-40B4-BE49-F238E27FC236}">
-                <a16:creationId xmlns:a16="http://schemas.microsoft.com/office/drawing/2014/main" id="{9A8BF2DA-C0FA-F7CA-7702-EB150C770325}"/>
-              </a:ext>
-            </a:extLst>
-          </p:cNvPr>
-          <p:cNvSpPr/>
-          <p:nvPr/>
-        </p:nvSpPr>
-        <p:spPr>
-          <a:xfrm>
-            <a:off x="649553" y="388267"/>
-            <a:ext cx="698500" cy="377825"/>
-          </a:xfrm>
-          <a:prstGeom prst="roundRect">
-            <a:avLst/>
-          </a:prstGeom>
-          <a:solidFill>
-            <a:srgbClr val="5FAEFA">
-              <a:alpha val="9804"/>
-            </a:srgbClr>
-          </a:solidFill>
-          <a:ln>
-            <a:solidFill>
-              <a:srgbClr val="5FAEFA"/>
-            </a:solidFill>
-          </a:ln>
-        </p:spPr>
-        <p:style>
-          <a:lnRef idx="2">
-            <a:schemeClr val="accent1">
-              <a:shade val="15000"/>
-            </a:schemeClr>
-          </a:lnRef>
-          <a:fillRef idx="1">
-            <a:schemeClr val="accent1"/>
-          </a:fillRef>
-          <a:effectRef idx="0">
-            <a:schemeClr val="accent1"/>
-          </a:effectRef>
-          <a:fontRef idx="minor">
-            <a:schemeClr val="lt1"/>
-          </a:fontRef>
-        </p:style>
-        <p:txBody>
-          <a:bodyPr rtlCol="0" anchor="ctr"/>
-          <a:lstStyle/>
-          <a:p>
-            <a:pPr algn="ctr"/>
-            <a:endParaRPr lang="en-US"/>
-          </a:p>
-        </p:txBody>
-      </p:sp>
-      <p:sp>
-        <p:nvSpPr>
-          <p:cNvPr id="8" name="Rounded Rectangle 7">
-            <a:extLst>
-              <a:ext uri="{FF2B5EF4-FFF2-40B4-BE49-F238E27FC236}">
-                <a16:creationId xmlns:a16="http://schemas.microsoft.com/office/drawing/2014/main" id="{79EAF88A-1332-7332-EF95-401D58514FA1}"/>
-              </a:ext>
-            </a:extLst>
-          </p:cNvPr>
-          <p:cNvSpPr/>
-          <p:nvPr/>
-        </p:nvSpPr>
-        <p:spPr>
-          <a:xfrm>
-            <a:off x="1482239" y="388266"/>
-            <a:ext cx="172720" cy="377825"/>
-          </a:xfrm>
-          <a:prstGeom prst="roundRect">
-            <a:avLst/>
-          </a:prstGeom>
-          <a:solidFill>
-            <a:srgbClr val="B46AE2">
-              <a:alpha val="9804"/>
-            </a:srgbClr>
-          </a:solidFill>
-          <a:ln>
-            <a:solidFill>
-              <a:srgbClr val="B46AE2"/>
-            </a:solidFill>
-          </a:ln>
-        </p:spPr>
-        <p:style>
-          <a:lnRef idx="2">
-            <a:schemeClr val="accent1">
-              <a:shade val="15000"/>
-            </a:schemeClr>
-          </a:lnRef>
-          <a:fillRef idx="1">
-            <a:schemeClr val="accent1"/>
-          </a:fillRef>
-          <a:effectRef idx="0">
-            <a:schemeClr val="accent1"/>
-          </a:effectRef>
-          <a:fontRef idx="minor">
-            <a:schemeClr val="lt1"/>
-          </a:fontRef>
-        </p:style>
-        <p:txBody>
-          <a:bodyPr rtlCol="0" anchor="ctr"/>
-          <a:lstStyle/>
-          <a:p>
-            <a:pPr algn="ctr"/>
-            <a:endParaRPr lang="en-US"/>
-          </a:p>
-        </p:txBody>
-      </p:sp>
-      <p:pic>
-        <p:nvPicPr>
-          <p:cNvPr id="9" name="Picture 8">
-            <a:extLst>
-              <a:ext uri="{FF2B5EF4-FFF2-40B4-BE49-F238E27FC236}">
-                <a16:creationId xmlns:a16="http://schemas.microsoft.com/office/drawing/2014/main" id="{DA34400C-2D96-3FA6-22BE-846706B09939}"/>
-              </a:ext>
-            </a:extLst>
-          </p:cNvPr>
-          <p:cNvPicPr>
-            <a:picLocks noChangeAspect="1"/>
-          </p:cNvPicPr>
-          <p:nvPr>
-            <p:custDataLst>
-              <p:tags r:id="rId1"/>
-            </p:custDataLst>
-          </p:nvPr>
-        </p:nvPicPr>
-        <p:blipFill>
-          <a:blip r:embed="rId6"/>
-          <a:stretch>
-            <a:fillRect/>
-          </a:stretch>
-        </p:blipFill>
-        <p:spPr>
-          <a:xfrm>
-            <a:off x="205053" y="412075"/>
-            <a:ext cx="2946400" cy="330200"/>
-          </a:xfrm>
-          <a:prstGeom prst="rect">
-            <a:avLst/>
-          </a:prstGeom>
-        </p:spPr>
-      </p:pic>
-      <p:sp>
-        <p:nvSpPr>
-          <p:cNvPr id="10" name="Rounded Rectangle 9">
-            <a:extLst>
-              <a:ext uri="{FF2B5EF4-FFF2-40B4-BE49-F238E27FC236}">
-                <a16:creationId xmlns:a16="http://schemas.microsoft.com/office/drawing/2014/main" id="{AEE42245-6BD7-348D-AA21-86B3C7F2C7C4}"/>
-              </a:ext>
-            </a:extLst>
-          </p:cNvPr>
-          <p:cNvSpPr/>
-          <p:nvPr/>
-        </p:nvSpPr>
-        <p:spPr>
-          <a:xfrm>
-            <a:off x="1941619" y="391442"/>
-            <a:ext cx="1241584" cy="377825"/>
-          </a:xfrm>
-          <a:prstGeom prst="roundRect">
-            <a:avLst/>
-          </a:prstGeom>
-          <a:solidFill>
-            <a:srgbClr val="FF8972">
-              <a:alpha val="9804"/>
-            </a:srgbClr>
-          </a:solidFill>
-          <a:ln>
-            <a:solidFill>
-              <a:srgbClr val="FF8972"/>
-            </a:solidFill>
-          </a:ln>
-        </p:spPr>
-        <p:style>
-          <a:lnRef idx="2">
-            <a:schemeClr val="accent1">
-              <a:shade val="15000"/>
-            </a:schemeClr>
-          </a:lnRef>
-          <a:fillRef idx="1">
-            <a:schemeClr val="accent1"/>
-          </a:fillRef>
-          <a:effectRef idx="0">
-            <a:schemeClr val="accent1"/>
-          </a:effectRef>
-          <a:fontRef idx="minor">
-            <a:schemeClr val="lt1"/>
-          </a:fontRef>
-        </p:style>
-        <p:txBody>
-          <a:bodyPr rtlCol="0" anchor="ctr"/>
-          <a:lstStyle/>
-          <a:p>
-            <a:pPr algn="ctr"/>
-            <a:endParaRPr lang="en-US"/>
-          </a:p>
-        </p:txBody>
-      </p:sp>
-      <p:pic>
-        <p:nvPicPr>
-          <p:cNvPr id="11" name="Picture 10" descr="\documentclass{article}&#10;\usepackage{amsmath}&#10;\usepackage{xcolor}&#10;\pagestyle{empty}&#10;\begin{document}&#10;&#10;&#10;\begin{align*}&#10;\textcolor[HTML]{AA6DDB}{\mathsf{f(t)=1+s(t)}}&#10;\end{align*}&#10;&#10;\end{document}" title="IguanaTex Bitmap Display">
-            <a:extLst>
-              <a:ext uri="{FF2B5EF4-FFF2-40B4-BE49-F238E27FC236}">
-                <a16:creationId xmlns:a16="http://schemas.microsoft.com/office/drawing/2014/main" id="{EE161DAA-D5BD-7B40-C646-B7DC6EF0EF46}"/>
-              </a:ext>
-            </a:extLst>
-          </p:cNvPr>
-          <p:cNvPicPr>
-            <a:picLocks noChangeAspect="1"/>
-          </p:cNvPicPr>
-          <p:nvPr>
-            <p:custDataLst>
-              <p:tags r:id="rId2"/>
-            </p:custDataLst>
-          </p:nvPr>
-        </p:nvPicPr>
-        <p:blipFill>
-          <a:blip r:embed="rId7"/>
-          <a:stretch>
-            <a:fillRect/>
-          </a:stretch>
-        </p:blipFill>
-        <p:spPr>
-          <a:xfrm>
-            <a:off x="1576474" y="1357686"/>
-            <a:ext cx="762000" cy="127000"/>
-          </a:xfrm>
-          <a:prstGeom prst="rect">
-            <a:avLst/>
-          </a:prstGeom>
-        </p:spPr>
-      </p:pic>
-    </p:spTree>
-    <p:extLst>
-      <p:ext uri="{BB962C8B-B14F-4D97-AF65-F5344CB8AC3E}">
-        <p14:creationId xmlns:p14="http://schemas.microsoft.com/office/powerpoint/2010/main" val="1829962908"/>
-      </p:ext>
-    </p:extLst>
-  </p:cSld>
-  <p:clrMapOvr>
-    <a:masterClrMapping/>
-  </p:clrMapOvr>
-</p:sld>
-</file>
-
 <file path=ppt/tags/tag1.xml><?xml version="1.0" encoding="utf-8"?>
 <p:tagLst xmlns:a="http://schemas.openxmlformats.org/drawingml/2006/main" xmlns:r="http://schemas.openxmlformats.org/officeDocument/2006/relationships" xmlns:p="http://schemas.openxmlformats.org/presentationml/2006/main">
   <p:tag name="IGUANATEXCURSOR" val="727"/>
-  <p:tag name="BITMAPVECTOR" val="0"/>
-</p:tagLst>
-</file>
-
-<file path=ppt/tags/tag2.xml><?xml version="1.0" encoding="utf-8"?>
-<p:tagLst xmlns:a="http://schemas.openxmlformats.org/drawingml/2006/main" xmlns:r="http://schemas.openxmlformats.org/officeDocument/2006/relationships" xmlns:p="http://schemas.openxmlformats.org/presentationml/2006/main">
-  <p:tag name="IGUANATEXCURSOR" val="727"/>
-  <p:tag name="BITMAPVECTOR" val="0"/>
-</p:tagLst>
-</file>
-
-<file path=ppt/tags/tag3.xml><?xml version="1.0" encoding="utf-8"?>
-<p:tagLst xmlns:a="http://schemas.openxmlformats.org/drawingml/2006/main" xmlns:r="http://schemas.openxmlformats.org/officeDocument/2006/relationships" xmlns:p="http://schemas.openxmlformats.org/presentationml/2006/main">
-  <p:tag name="OUTPUTDPI" val="1200"/>
-  <p:tag name="ORIGINALHEIGHT" val="10"/>
-  <p:tag name="ORIGINALWIDTH" val="60"/>
-  <p:tag name="OUTPUTTYPE" val="PDF"/>
-  <p:tag name="IGUANATEXVERSION" val="160"/>
-  <p:tag name="LATEXADDIN" val="\documentclass{article}&#10;\usepackage{amsmath}&#10;\usepackage{xcolor}&#10;\pagestyle{empty}&#10;\begin{document}&#10;&#10;&#10;\begin{align*}&#10;\textcolor[HTML]{AA6DDB}{\mathsf{f(t)=1+s(t)}}&#10;\end{align*}&#10;&#10;\end{document}"/>
-  <p:tag name="IGUANATEXSIZE" val="10"/>
-  <p:tag name="IGUANATEXCURSOR" val="161"/>
-  <p:tag name="TRANSPARENCY" val="True"/>
-  <p:tag name="LATEXENGINEID" val="0"/>
-  <p:tag name="TEMPFOLDER" val="/Users/yiruigao/Library/Containers/com.microsoft.Powerpoint/Data/tmp/TemporaryItems/"/>
-  <p:tag name="LATEXFORMHEIGHT" val="426.65"/>
-  <p:tag name="LATEXFORMWIDTH" val="513.35"/>
-  <p:tag name="LATEXFORMWRAP" val="True"/>
   <p:tag name="BITMAPVECTOR" val="0"/>
 </p:tagLst>
 </file>
